--- a/Prezentare.pptx
+++ b/Prezentare.pptx
@@ -5,7 +5,7 @@
     <p:sldMasterId id="2147483659" r:id="rId1"/>
   </p:sldMasterIdLst>
   <p:notesMasterIdLst>
-    <p:notesMasterId r:id="rId17"/>
+    <p:notesMasterId r:id="rId18"/>
   </p:notesMasterIdLst>
   <p:sldIdLst>
     <p:sldId id="256" r:id="rId2"/>
@@ -16,13 +16,14 @@
     <p:sldId id="258" r:id="rId7"/>
     <p:sldId id="270" r:id="rId8"/>
     <p:sldId id="271" r:id="rId9"/>
-    <p:sldId id="259" r:id="rId10"/>
-    <p:sldId id="260" r:id="rId11"/>
-    <p:sldId id="269" r:id="rId12"/>
-    <p:sldId id="261" r:id="rId13"/>
-    <p:sldId id="262" r:id="rId14"/>
+    <p:sldId id="272" r:id="rId10"/>
+    <p:sldId id="259" r:id="rId11"/>
+    <p:sldId id="260" r:id="rId12"/>
+    <p:sldId id="269" r:id="rId13"/>
+    <p:sldId id="261" r:id="rId14"/>
     <p:sldId id="268" r:id="rId15"/>
-    <p:sldId id="263" r:id="rId16"/>
+    <p:sldId id="262" r:id="rId16"/>
+    <p:sldId id="263" r:id="rId17"/>
   </p:sldIdLst>
   <p:sldSz cx="9144000" cy="5143500" type="screen16x9"/>
   <p:notesSz cx="6858000" cy="9144000"/>
@@ -257,7 +258,7 @@
   </p:defaultTextStyle>
   <p:extLst>
     <p:ext uri="{EFAFB233-063F-42B5-8137-9DF3F51BA10A}">
-      <p15:sldGuideLst xmlns:p15="http://schemas.microsoft.com/office/powerpoint/2012/main" xmlns:p14="http://schemas.microsoft.com/office/powerpoint/2010/main" xmlns:com="http://schemas.openxmlformats.org/drawingml/2006/compatibility" xmlns:pvml="urn:schemas-microsoft-com:office:powerpoint" xmlns:v="urn:schemas-microsoft-com:vml" xmlns:o="urn:schemas-microsoft-com:office:office" xmlns:dgm="http://schemas.openxmlformats.org/drawingml/2006/diagram" xmlns:c="http://schemas.openxmlformats.org/drawingml/2006/chart" xmlns:mv="urn:schemas-microsoft-com:mac:vml" xmlns:mc="http://schemas.openxmlformats.org/markup-compatibility/2006" xmlns="">
+      <p15:sldGuideLst xmlns="" xmlns:mc="http://schemas.openxmlformats.org/markup-compatibility/2006" xmlns:mv="urn:schemas-microsoft-com:mac:vml" xmlns:c="http://schemas.openxmlformats.org/drawingml/2006/chart" xmlns:dgm="http://schemas.openxmlformats.org/drawingml/2006/diagram" xmlns:o="urn:schemas-microsoft-com:office:office" xmlns:v="urn:schemas-microsoft-com:vml" xmlns:pvml="urn:schemas-microsoft-com:office:powerpoint" xmlns:com="http://schemas.openxmlformats.org/drawingml/2006/compatibility" xmlns:p14="http://schemas.microsoft.com/office/powerpoint/2010/main" xmlns:p15="http://schemas.microsoft.com/office/powerpoint/2012/main">
         <p15:guide id="1" orient="horz" pos="1620">
           <p15:clr>
             <a:srgbClr val="A4A3A4"/>
@@ -1267,7 +1268,7 @@
         </p:nvSpPr>
         <p:spPr>
           <a:xfrm>
-            <a:off x="381300" y="685800"/>
+            <a:off x="381000" y="685800"/>
             <a:ext cx="6096000" cy="3429000"/>
           </a:xfrm>
           <a:custGeom>
@@ -6392,6 +6393,182 @@
   <p:cSld>
     <p:spTree>
       <p:nvGrpSpPr>
+        <p:cNvPr id="1" name="Shape 71"/>
+        <p:cNvGrpSpPr/>
+        <p:nvPr/>
+      </p:nvGrpSpPr>
+      <p:grpSpPr>
+        <a:xfrm>
+          <a:off x="0" y="0"/>
+          <a:ext cx="0" cy="0"/>
+          <a:chOff x="0" y="0"/>
+          <a:chExt cx="0" cy="0"/>
+        </a:xfrm>
+      </p:grpSpPr>
+      <p:sp>
+        <p:nvSpPr>
+          <p:cNvPr id="72" name="Shape 72"/>
+          <p:cNvSpPr txBox="1">
+            <a:spLocks noGrp="1"/>
+          </p:cNvSpPr>
+          <p:nvPr>
+            <p:ph type="title"/>
+          </p:nvPr>
+        </p:nvSpPr>
+        <p:spPr>
+          <a:xfrm>
+            <a:off x="311700" y="445025"/>
+            <a:ext cx="8520600" cy="572700"/>
+          </a:xfrm>
+          <a:prstGeom prst="rect">
+            <a:avLst/>
+          </a:prstGeom>
+        </p:spPr>
+        <p:txBody>
+          <a:bodyPr spcFirstLastPara="1" wrap="square" lIns="91425" tIns="91425" rIns="91425" bIns="91425" anchor="t" anchorCtr="0">
+            <a:noAutofit/>
+          </a:bodyPr>
+          <a:lstStyle/>
+          <a:p>
+            <a:pPr marL="0" lvl="0" indent="0">
+              <a:spcBef>
+                <a:spcPts val="0"/>
+              </a:spcBef>
+              <a:spcAft>
+                <a:spcPts val="0"/>
+              </a:spcAft>
+              <a:buNone/>
+            </a:pPr>
+            <a:r>
+              <a:rPr lang="en"/>
+              <a:t>Arhitectura</a:t>
+            </a:r>
+            <a:endParaRPr/>
+          </a:p>
+        </p:txBody>
+      </p:sp>
+      <p:sp>
+        <p:nvSpPr>
+          <p:cNvPr id="73" name="Shape 73"/>
+          <p:cNvSpPr txBox="1">
+            <a:spLocks noGrp="1"/>
+          </p:cNvSpPr>
+          <p:nvPr>
+            <p:ph type="body" idx="1"/>
+          </p:nvPr>
+        </p:nvSpPr>
+        <p:spPr>
+          <a:xfrm>
+            <a:off x="311700" y="1152475"/>
+            <a:ext cx="8520600" cy="3416400"/>
+          </a:xfrm>
+          <a:prstGeom prst="rect">
+            <a:avLst/>
+          </a:prstGeom>
+        </p:spPr>
+        <p:txBody>
+          <a:bodyPr spcFirstLastPara="1" wrap="square" lIns="91425" tIns="91425" rIns="91425" bIns="91425" anchor="t" anchorCtr="0">
+            <a:noAutofit/>
+          </a:bodyPr>
+          <a:lstStyle/>
+          <a:p>
+            <a:pPr marL="0" lvl="0" indent="0">
+              <a:spcBef>
+                <a:spcPts val="0"/>
+              </a:spcBef>
+              <a:spcAft>
+                <a:spcPts val="1600"/>
+              </a:spcAft>
+              <a:buNone/>
+            </a:pPr>
+            <a:endParaRPr dirty="0"/>
+          </a:p>
+        </p:txBody>
+      </p:sp>
+      <p:pic>
+        <p:nvPicPr>
+          <p:cNvPr id="1027" name="Picture 3"/>
+          <p:cNvPicPr>
+            <a:picLocks noChangeAspect="1" noChangeArrowheads="1"/>
+          </p:cNvPicPr>
+          <p:nvPr/>
+        </p:nvPicPr>
+        <p:blipFill>
+          <a:blip r:embed="rId3">
+            <a:extLst>
+              <a:ext uri="{28A0092B-C50C-407E-A947-70E740481C1C}">
+                <a14:useLocalDpi xmlns:a14="http://schemas.microsoft.com/office/drawing/2010/main" val="0"/>
+              </a:ext>
+            </a:extLst>
+          </a:blip>
+          <a:srcRect/>
+          <a:stretch>
+            <a:fillRect/>
+          </a:stretch>
+        </p:blipFill>
+        <p:spPr bwMode="auto">
+          <a:xfrm>
+            <a:off x="1766923" y="1353966"/>
+            <a:ext cx="5731041" cy="3047872"/>
+          </a:xfrm>
+          <a:prstGeom prst="rect">
+            <a:avLst/>
+          </a:prstGeom>
+          <a:noFill/>
+          <a:ln>
+            <a:noFill/>
+          </a:ln>
+          <a:effectLst/>
+          <a:extLst>
+            <a:ext uri="{909E8E84-426E-40DD-AFC4-6F175D3DCCD1}">
+              <a14:hiddenFill xmlns:a14="http://schemas.microsoft.com/office/drawing/2010/main">
+                <a:solidFill>
+                  <a:schemeClr val="accent1"/>
+                </a:solidFill>
+              </a14:hiddenFill>
+            </a:ext>
+            <a:ext uri="{91240B29-F687-4F45-9708-019B960494DF}">
+              <a14:hiddenLine xmlns:a14="http://schemas.microsoft.com/office/drawing/2010/main" w="9525">
+                <a:solidFill>
+                  <a:schemeClr val="tx1"/>
+                </a:solidFill>
+                <a:miter lim="800000"/>
+                <a:headEnd/>
+                <a:tailEnd/>
+              </a14:hiddenLine>
+            </a:ext>
+            <a:ext uri="{AF507438-7753-43E0-B8FC-AC1667EBCBE1}">
+              <a14:hiddenEffects xmlns:a14="http://schemas.microsoft.com/office/drawing/2010/main">
+                <a:effectLst>
+                  <a:outerShdw dist="35921" dir="2700000" algn="ctr" rotWithShape="0">
+                    <a:schemeClr val="bg2"/>
+                  </a:outerShdw>
+                </a:effectLst>
+              </a14:hiddenEffects>
+            </a:ext>
+          </a:extLst>
+        </p:spPr>
+      </p:pic>
+    </p:spTree>
+  </p:cSld>
+  <p:clrMapOvr>
+    <a:masterClrMapping/>
+  </p:clrMapOvr>
+  <p:timing>
+    <p:tnLst>
+      <p:par>
+        <p:cTn id="1" dur="indefinite" restart="never" nodeType="tmRoot"/>
+      </p:par>
+    </p:tnLst>
+  </p:timing>
+</p:sld>
+</file>
+
+<file path=ppt/slides/slide11.xml><?xml version="1.0" encoding="utf-8"?>
+<p:sld xmlns:a="http://schemas.openxmlformats.org/drawingml/2006/main" xmlns:r="http://schemas.openxmlformats.org/officeDocument/2006/relationships" xmlns:p="http://schemas.openxmlformats.org/presentationml/2006/main">
+  <p:cSld>
+    <p:spTree>
+      <p:nvGrpSpPr>
         <p:cNvPr id="1" name="Shape 77"/>
         <p:cNvGrpSpPr/>
         <p:nvPr/>
@@ -6471,57 +6648,51 @@
           </a:bodyPr>
           <a:lstStyle/>
           <a:p>
-            <a:pPr marL="457200" lvl="0" indent="-342900" rtl="0">
-              <a:spcBef>
-                <a:spcPts val="0"/>
-              </a:spcBef>
-              <a:spcAft>
-                <a:spcPts val="0"/>
-              </a:spcAft>
-              <a:buSzPts val="1800"/>
-              <a:buFont typeface="+mj-lt"/>
-              <a:buAutoNum type="arabicPeriod"/>
-            </a:pPr>
-            <a:r>
-              <a:rPr lang="ro-RO" dirty="0" smtClean="0"/>
-              <a:t>Creșterea blockchain-ului folosind follow the satoshi</a:t>
-            </a:r>
-          </a:p>
-          <a:p>
-            <a:pPr marL="457200" lvl="0" indent="-342900" rtl="0">
-              <a:spcBef>
-                <a:spcPts val="0"/>
-              </a:spcBef>
-              <a:spcAft>
-                <a:spcPts val="0"/>
-              </a:spcAft>
-              <a:buSzPts val="1800"/>
-              <a:buFont typeface="+mj-lt"/>
-              <a:buAutoNum type="arabicPeriod"/>
-            </a:pPr>
-            <a:r>
-              <a:rPr lang="ro-RO" dirty="0" smtClean="0"/>
-              <a:t>Atacul dublei cheltuieli</a:t>
-            </a:r>
-          </a:p>
-          <a:p>
             <a:pPr lvl="0">
               <a:buFont typeface="+mj-lt"/>
               <a:buAutoNum type="arabicPeriod"/>
             </a:pPr>
             <a:r>
-              <a:rPr lang="ro-RO" dirty="0"/>
-              <a:t>A</a:t>
-            </a:r>
-            <a:r>
-              <a:rPr lang="ro-RO" dirty="0" smtClean="0"/>
-              <a:t>tac </a:t>
-            </a:r>
-            <a:r>
-              <a:rPr lang="ro-RO" dirty="0"/>
-              <a:t>de desincronizare</a:t>
-            </a:r>
-            <a:endParaRPr lang="ro-RO" dirty="0" smtClean="0"/>
+              <a:rPr lang="en-US" dirty="0"/>
+              <a:t>Chain </a:t>
+            </a:r>
+            <a:r>
+              <a:rPr lang="en-US" dirty="0" smtClean="0"/>
+              <a:t>Growth</a:t>
+            </a:r>
+          </a:p>
+          <a:p>
+            <a:pPr lvl="0">
+              <a:buFont typeface="+mj-lt"/>
+              <a:buAutoNum type="arabicPeriod"/>
+            </a:pPr>
+            <a:r>
+              <a:rPr lang="en-US" dirty="0" smtClean="0"/>
+              <a:t>Double </a:t>
+            </a:r>
+            <a:r>
+              <a:rPr lang="en-US" dirty="0" smtClean="0"/>
+              <a:t>spending </a:t>
+            </a:r>
+            <a:r>
+              <a:rPr lang="en-US" dirty="0" smtClean="0"/>
+              <a:t>attack</a:t>
+            </a:r>
+          </a:p>
+          <a:p>
+            <a:pPr lvl="0">
+              <a:buFont typeface="+mj-lt"/>
+              <a:buAutoNum type="arabicPeriod"/>
+            </a:pPr>
+            <a:r>
+              <a:rPr lang="en-US" dirty="0" err="1" smtClean="0"/>
+              <a:t>Desynchronization</a:t>
+            </a:r>
+            <a:r>
+              <a:rPr lang="en-US" dirty="0" smtClean="0"/>
+              <a:t> attack</a:t>
+            </a:r>
+            <a:endParaRPr lang="en-US" dirty="0" smtClean="0"/>
           </a:p>
         </p:txBody>
       </p:sp>
@@ -6540,7 +6711,7 @@
 </p:sld>
 </file>
 
-<file path=ppt/slides/slide11.xml><?xml version="1.0" encoding="utf-8"?>
+<file path=ppt/slides/slide12.xml><?xml version="1.0" encoding="utf-8"?>
 <p:sld xmlns:a="http://schemas.openxmlformats.org/drawingml/2006/main" xmlns:r="http://schemas.openxmlformats.org/officeDocument/2006/relationships" xmlns:p="http://schemas.openxmlformats.org/presentationml/2006/main">
   <p:cSld>
     <p:spTree>
@@ -6578,7 +6749,7 @@
             </a:r>
             <a:r>
               <a:rPr lang="en-US" dirty="0" smtClean="0"/>
-              <a:t> experiment 1</a:t>
+              <a:t> experiment </a:t>
             </a:r>
             <a:endParaRPr lang="en-US" dirty="0"/>
           </a:p>
@@ -6645,7 +6816,7 @@
 </p:sld>
 </file>
 
-<file path=ppt/slides/slide12.xml><?xml version="1.0" encoding="utf-8"?>
+<file path=ppt/slides/slide13.xml><?xml version="1.0" encoding="utf-8"?>
 <p:sld xmlns:a="http://schemas.openxmlformats.org/drawingml/2006/main" xmlns:r="http://schemas.openxmlformats.org/officeDocument/2006/relationships" xmlns:p="http://schemas.openxmlformats.org/presentationml/2006/main">
   <p:cSld>
     <p:spTree>
@@ -6737,151 +6908,6 @@
                 <a:spcPts val="1600"/>
               </a:spcAft>
               <a:buNone/>
-            </a:pPr>
-            <a:endParaRPr/>
-          </a:p>
-        </p:txBody>
-      </p:sp>
-    </p:spTree>
-  </p:cSld>
-  <p:clrMapOvr>
-    <a:masterClrMapping/>
-  </p:clrMapOvr>
-  <p:timing>
-    <p:tnLst>
-      <p:par>
-        <p:cTn id="1" dur="indefinite" restart="never" nodeType="tmRoot"/>
-      </p:par>
-    </p:tnLst>
-  </p:timing>
-</p:sld>
-</file>
-
-<file path=ppt/slides/slide13.xml><?xml version="1.0" encoding="utf-8"?>
-<p:sld xmlns:a="http://schemas.openxmlformats.org/drawingml/2006/main" xmlns:r="http://schemas.openxmlformats.org/officeDocument/2006/relationships" xmlns:p="http://schemas.openxmlformats.org/presentationml/2006/main">
-  <p:cSld>
-    <p:spTree>
-      <p:nvGrpSpPr>
-        <p:cNvPr id="1" name="Shape 89"/>
-        <p:cNvGrpSpPr/>
-        <p:nvPr/>
-      </p:nvGrpSpPr>
-      <p:grpSpPr>
-        <a:xfrm>
-          <a:off x="0" y="0"/>
-          <a:ext cx="0" cy="0"/>
-          <a:chOff x="0" y="0"/>
-          <a:chExt cx="0" cy="0"/>
-        </a:xfrm>
-      </p:grpSpPr>
-      <p:sp>
-        <p:nvSpPr>
-          <p:cNvPr id="90" name="Shape 90"/>
-          <p:cNvSpPr txBox="1">
-            <a:spLocks noGrp="1"/>
-          </p:cNvSpPr>
-          <p:nvPr>
-            <p:ph type="title"/>
-          </p:nvPr>
-        </p:nvSpPr>
-        <p:spPr>
-          <a:xfrm>
-            <a:off x="311700" y="445025"/>
-            <a:ext cx="8520600" cy="572700"/>
-          </a:xfrm>
-          <a:prstGeom prst="rect">
-            <a:avLst/>
-          </a:prstGeom>
-        </p:spPr>
-        <p:txBody>
-          <a:bodyPr spcFirstLastPara="1" wrap="square" lIns="91425" tIns="91425" rIns="91425" bIns="91425" anchor="t" anchorCtr="0">
-            <a:noAutofit/>
-          </a:bodyPr>
-          <a:lstStyle/>
-          <a:p>
-            <a:pPr marL="0" lvl="0" indent="0">
-              <a:spcBef>
-                <a:spcPts val="0"/>
-              </a:spcBef>
-              <a:spcAft>
-                <a:spcPts val="0"/>
-              </a:spcAft>
-              <a:buNone/>
-            </a:pPr>
-            <a:r>
-              <a:rPr lang="en"/>
-              <a:t>Concluzii</a:t>
-            </a:r>
-            <a:endParaRPr/>
-          </a:p>
-        </p:txBody>
-      </p:sp>
-      <p:sp>
-        <p:nvSpPr>
-          <p:cNvPr id="91" name="Shape 91"/>
-          <p:cNvSpPr txBox="1">
-            <a:spLocks noGrp="1"/>
-          </p:cNvSpPr>
-          <p:nvPr>
-            <p:ph type="body" idx="1"/>
-          </p:nvPr>
-        </p:nvSpPr>
-        <p:spPr>
-          <a:xfrm>
-            <a:off x="311700" y="1152475"/>
-            <a:ext cx="8520600" cy="3416400"/>
-          </a:xfrm>
-          <a:prstGeom prst="rect">
-            <a:avLst/>
-          </a:prstGeom>
-        </p:spPr>
-        <p:txBody>
-          <a:bodyPr spcFirstLastPara="1" wrap="square" lIns="91425" tIns="91425" rIns="91425" bIns="91425" anchor="t" anchorCtr="0">
-            <a:noAutofit/>
-          </a:bodyPr>
-          <a:lstStyle/>
-          <a:p>
-            <a:pPr marL="457200" lvl="0" indent="-342900" rtl="0">
-              <a:spcBef>
-                <a:spcPts val="0"/>
-              </a:spcBef>
-              <a:spcAft>
-                <a:spcPts val="0"/>
-              </a:spcAft>
-              <a:buSzPts val="1800"/>
-              <a:buChar char="●"/>
-            </a:pPr>
-            <a:r>
-              <a:rPr lang="ro-RO" dirty="0" smtClean="0"/>
-              <a:t>Un candidat bun pentru a înlocuii PoW</a:t>
-            </a:r>
-          </a:p>
-          <a:p>
-            <a:pPr marL="457200" lvl="0" indent="-342900" rtl="0">
-              <a:spcBef>
-                <a:spcPts val="0"/>
-              </a:spcBef>
-              <a:spcAft>
-                <a:spcPts val="0"/>
-              </a:spcAft>
-              <a:buSzPts val="1800"/>
-              <a:buChar char="●"/>
-            </a:pPr>
-            <a:r>
-              <a:rPr lang="ro-RO" dirty="0" smtClean="0"/>
-              <a:t>Un suport practic pentru partea teoretică și un mediu pentru testarea unor proprietăți ale protocolului </a:t>
-            </a:r>
-          </a:p>
-          <a:p>
-            <a:pPr marL="457200" lvl="0" indent="-342900" rtl="0">
-              <a:spcBef>
-                <a:spcPts val="0"/>
-              </a:spcBef>
-              <a:spcAft>
-                <a:spcPts val="0"/>
-              </a:spcAft>
-              <a:buSzPts val="1800"/>
-              <a:buChar char="●"/>
             </a:pPr>
             <a:endParaRPr dirty="0"/>
           </a:p>
@@ -6970,23 +6996,31 @@
           </a:p>
           <a:p>
             <a:r>
-              <a:rPr lang="ro-RO" dirty="0" smtClean="0"/>
-              <a:t>Metodă de calcularea a stake-ul tuturor stakeholder-ilor fără ca un nod să fie nevoit să rețină toate adresele la construcția </a:t>
-            </a:r>
-            <a:r>
-              <a:rPr lang="en-US" dirty="0" err="1" smtClean="0"/>
-              <a:t>unui</a:t>
-            </a:r>
-            <a:r>
-              <a:rPr lang="en-US" dirty="0" smtClean="0"/>
-              <a:t> </a:t>
-            </a:r>
-            <a:r>
-              <a:rPr lang="ro-RO" dirty="0" smtClean="0"/>
-              <a:t>bloc de geneză</a:t>
-            </a:r>
-          </a:p>
-          <a:p>
+              <a:rPr lang="ro-RO" dirty="0"/>
+              <a:t>Doar </a:t>
+            </a:r>
+            <a:r>
+              <a:rPr lang="en-US" dirty="0"/>
+              <a:t>2-3% din </a:t>
+            </a:r>
+            <a:r>
+              <a:rPr lang="en-US" dirty="0" err="1"/>
+              <a:t>stakeholderi</a:t>
+            </a:r>
+            <a:r>
+              <a:rPr lang="en-US" dirty="0"/>
+              <a:t> s</a:t>
+            </a:r>
+            <a:r>
+              <a:rPr lang="ro-RO" dirty="0"/>
+              <a:t>ă poate vota</a:t>
+            </a:r>
+            <a:endParaRPr lang="en-US" dirty="0"/>
+          </a:p>
+          <a:p>
+            <a:pPr marL="114300" indent="0">
+              <a:buNone/>
+            </a:pPr>
             <a:endParaRPr lang="en-US" dirty="0"/>
           </a:p>
         </p:txBody>
@@ -7012,6 +7046,151 @@
 </file>
 
 <file path=ppt/slides/slide15.xml><?xml version="1.0" encoding="utf-8"?>
+<p:sld xmlns:a="http://schemas.openxmlformats.org/drawingml/2006/main" xmlns:r="http://schemas.openxmlformats.org/officeDocument/2006/relationships" xmlns:p="http://schemas.openxmlformats.org/presentationml/2006/main">
+  <p:cSld>
+    <p:spTree>
+      <p:nvGrpSpPr>
+        <p:cNvPr id="1" name="Shape 89"/>
+        <p:cNvGrpSpPr/>
+        <p:nvPr/>
+      </p:nvGrpSpPr>
+      <p:grpSpPr>
+        <a:xfrm>
+          <a:off x="0" y="0"/>
+          <a:ext cx="0" cy="0"/>
+          <a:chOff x="0" y="0"/>
+          <a:chExt cx="0" cy="0"/>
+        </a:xfrm>
+      </p:grpSpPr>
+      <p:sp>
+        <p:nvSpPr>
+          <p:cNvPr id="90" name="Shape 90"/>
+          <p:cNvSpPr txBox="1">
+            <a:spLocks noGrp="1"/>
+          </p:cNvSpPr>
+          <p:nvPr>
+            <p:ph type="title"/>
+          </p:nvPr>
+        </p:nvSpPr>
+        <p:spPr>
+          <a:xfrm>
+            <a:off x="311700" y="445025"/>
+            <a:ext cx="8520600" cy="572700"/>
+          </a:xfrm>
+          <a:prstGeom prst="rect">
+            <a:avLst/>
+          </a:prstGeom>
+        </p:spPr>
+        <p:txBody>
+          <a:bodyPr spcFirstLastPara="1" wrap="square" lIns="91425" tIns="91425" rIns="91425" bIns="91425" anchor="t" anchorCtr="0">
+            <a:noAutofit/>
+          </a:bodyPr>
+          <a:lstStyle/>
+          <a:p>
+            <a:pPr marL="0" lvl="0" indent="0">
+              <a:spcBef>
+                <a:spcPts val="0"/>
+              </a:spcBef>
+              <a:spcAft>
+                <a:spcPts val="0"/>
+              </a:spcAft>
+              <a:buNone/>
+            </a:pPr>
+            <a:r>
+              <a:rPr lang="en"/>
+              <a:t>Concluzii</a:t>
+            </a:r>
+            <a:endParaRPr/>
+          </a:p>
+        </p:txBody>
+      </p:sp>
+      <p:sp>
+        <p:nvSpPr>
+          <p:cNvPr id="91" name="Shape 91"/>
+          <p:cNvSpPr txBox="1">
+            <a:spLocks noGrp="1"/>
+          </p:cNvSpPr>
+          <p:nvPr>
+            <p:ph type="body" idx="1"/>
+          </p:nvPr>
+        </p:nvSpPr>
+        <p:spPr>
+          <a:xfrm>
+            <a:off x="311700" y="1152475"/>
+            <a:ext cx="8520600" cy="3416400"/>
+          </a:xfrm>
+          <a:prstGeom prst="rect">
+            <a:avLst/>
+          </a:prstGeom>
+        </p:spPr>
+        <p:txBody>
+          <a:bodyPr spcFirstLastPara="1" wrap="square" lIns="91425" tIns="91425" rIns="91425" bIns="91425" anchor="t" anchorCtr="0">
+            <a:noAutofit/>
+          </a:bodyPr>
+          <a:lstStyle/>
+          <a:p>
+            <a:pPr marL="457200" lvl="0" indent="-342900" rtl="0">
+              <a:spcBef>
+                <a:spcPts val="0"/>
+              </a:spcBef>
+              <a:spcAft>
+                <a:spcPts val="0"/>
+              </a:spcAft>
+              <a:buSzPts val="1800"/>
+              <a:buChar char="●"/>
+            </a:pPr>
+            <a:r>
+              <a:rPr lang="ro-RO" dirty="0" smtClean="0"/>
+              <a:t>Un candidat bun pentru a înlocuii PoW</a:t>
+            </a:r>
+          </a:p>
+          <a:p>
+            <a:pPr marL="457200" lvl="0" indent="-342900" rtl="0">
+              <a:spcBef>
+                <a:spcPts val="0"/>
+              </a:spcBef>
+              <a:spcAft>
+                <a:spcPts val="0"/>
+              </a:spcAft>
+              <a:buSzPts val="1800"/>
+              <a:buChar char="●"/>
+            </a:pPr>
+            <a:r>
+              <a:rPr lang="ro-RO" dirty="0" smtClean="0"/>
+              <a:t>Un suport practic pentru partea teoretică și un mediu pentru testarea unor proprietăți ale protocolului </a:t>
+            </a:r>
+          </a:p>
+          <a:p>
+            <a:pPr marL="457200" lvl="0" indent="-342900" rtl="0">
+              <a:spcBef>
+                <a:spcPts val="0"/>
+              </a:spcBef>
+              <a:spcAft>
+                <a:spcPts val="0"/>
+              </a:spcAft>
+              <a:buSzPts val="1800"/>
+              <a:buChar char="●"/>
+            </a:pPr>
+            <a:endParaRPr dirty="0"/>
+          </a:p>
+        </p:txBody>
+      </p:sp>
+    </p:spTree>
+  </p:cSld>
+  <p:clrMapOvr>
+    <a:masterClrMapping/>
+  </p:clrMapOvr>
+  <p:timing>
+    <p:tnLst>
+      <p:par>
+        <p:cTn id="1" dur="indefinite" restart="never" nodeType="tmRoot"/>
+      </p:par>
+    </p:tnLst>
+  </p:timing>
+</p:sld>
+</file>
+
+<file path=ppt/slides/slide16.xml><?xml version="1.0" encoding="utf-8"?>
 <p:sld xmlns:a="http://schemas.openxmlformats.org/drawingml/2006/main" xmlns:r="http://schemas.openxmlformats.org/officeDocument/2006/relationships" xmlns:p="http://schemas.openxmlformats.org/presentationml/2006/main">
   <p:cSld>
     <p:spTree>
@@ -7300,6 +7479,28 @@
           </a:p>
         </p:txBody>
       </p:sp>
+      <p:pic>
+        <p:nvPicPr>
+          <p:cNvPr id="4" name="Picture 3"/>
+          <p:cNvPicPr/>
+          <p:nvPr/>
+        </p:nvPicPr>
+        <p:blipFill>
+          <a:blip r:embed="rId3" cstate="print"/>
+          <a:stretch>
+            <a:fillRect/>
+          </a:stretch>
+        </p:blipFill>
+        <p:spPr>
+          <a:xfrm>
+            <a:off x="4950371" y="1267392"/>
+            <a:ext cx="1692867" cy="2976683"/>
+          </a:xfrm>
+          <a:prstGeom prst="rect">
+            <a:avLst/>
+          </a:prstGeom>
+        </p:spPr>
+      </p:pic>
     </p:spTree>
   </p:cSld>
   <p:clrMapOvr>
@@ -7541,6 +7742,21 @@
             <a:endParaRPr lang="en-US" dirty="0" smtClean="0"/>
           </a:p>
           <a:p>
+            <a:r>
+              <a:rPr lang="ro-RO" dirty="0"/>
+              <a:t>L</a:t>
+            </a:r>
+            <a:r>
+              <a:rPr lang="en-US" dirty="0" err="1" smtClean="0"/>
+              <a:t>ips</a:t>
+            </a:r>
+            <a:r>
+              <a:rPr lang="ro-RO" dirty="0" smtClean="0"/>
+              <a:t>a unei părți practice</a:t>
+            </a:r>
+            <a:endParaRPr lang="en-US" dirty="0" smtClean="0"/>
+          </a:p>
+          <a:p>
             <a:pPr marL="114300" indent="0">
               <a:buNone/>
             </a:pPr>
@@ -7634,23 +7850,31 @@
             </a:r>
             <a:r>
               <a:rPr lang="ro-RO" dirty="0"/>
-              <a:t>modelarea unui nod sub forma unui api ce permite comunicarea cu blockchain-ul pe web sub formă de cereri http</a:t>
-            </a:r>
-            <a:endParaRPr lang="en-US" dirty="0"/>
+              <a:t>modelarea unui nod sub forma unui api </a:t>
+            </a:r>
+            <a:endParaRPr lang="en-US" dirty="0" smtClean="0"/>
           </a:p>
           <a:p>
             <a:pPr lvl="0"/>
             <a:r>
+              <a:rPr lang="ro-RO" dirty="0" smtClean="0"/>
+              <a:t>un </a:t>
+            </a:r>
+            <a:r>
               <a:rPr lang="ro-RO" dirty="0"/>
-              <a:t>un sistem de programare a evenimentelor care se produc în timpul rulării protocolului</a:t>
-            </a:r>
-            <a:endParaRPr lang="en-US" dirty="0"/>
+              <a:t>sistem de programare a evenimentelor </a:t>
+            </a:r>
+            <a:endParaRPr lang="en-US" dirty="0" smtClean="0"/>
           </a:p>
           <a:p>
             <a:pPr lvl="0"/>
             <a:r>
+              <a:rPr lang="ro-RO" dirty="0" smtClean="0"/>
+              <a:t>un </a:t>
+            </a:r>
+            <a:r>
               <a:rPr lang="ro-RO" dirty="0"/>
-              <a:t>un sistem care ajută la determinarea timpilor din protocol, adică epocile și slot-urile</a:t>
+              <a:t>sistem care ajută la determinarea timpilor din protocol, adică epocile și slot-urile</a:t>
             </a:r>
             <a:endParaRPr lang="en-US" dirty="0"/>
           </a:p>
@@ -8106,53 +8330,56 @@
               <a:rPr lang="ro-RO" dirty="0" smtClean="0"/>
               <a:t>Follow the Satoshi este folosit pentru a alege slot leader-ii pentru următoarea epocă folosind seed-ul rezultat în urma MPC</a:t>
             </a:r>
-          </a:p>
-          <a:p>
-            <a:r>
-              <a:rPr lang="ro-RO" dirty="0"/>
-              <a:t>Programarea evenimentelor se face folosing BackgroundScheduler</a:t>
-            </a:r>
-            <a:r>
-              <a:rPr lang="en-US" dirty="0"/>
-              <a:t>:</a:t>
-            </a:r>
-          </a:p>
-          <a:p>
-            <a:pPr lvl="1"/>
-            <a:r>
-              <a:rPr lang="en-US" dirty="0" err="1"/>
-              <a:t>Construc</a:t>
-            </a:r>
-            <a:r>
-              <a:rPr lang="ro-RO" dirty="0"/>
-              <a:t>ția de blocuri noi</a:t>
-            </a:r>
-          </a:p>
-          <a:p>
-            <a:pPr lvl="1"/>
-            <a:r>
-              <a:rPr lang="ro-RO" dirty="0"/>
-              <a:t>Procesul de </a:t>
-            </a:r>
-            <a:r>
-              <a:rPr lang="ro-RO" dirty="0" smtClean="0"/>
-              <a:t>votare</a:t>
-            </a:r>
-          </a:p>
-          <a:p>
-            <a:r>
-              <a:rPr lang="ro-RO" dirty="0" smtClean="0"/>
-              <a:t>Algoritmul de consens </a:t>
-            </a:r>
-          </a:p>
-          <a:p>
-            <a:r>
-              <a:rPr lang="ro-RO" dirty="0" smtClean="0"/>
-              <a:t>Api-ul și inițializarea unui nod la pornirea server-ului</a:t>
-            </a:r>
+            <a:endParaRPr lang="en-US" dirty="0" smtClean="0"/>
+          </a:p>
+          <a:p>
+            <a:endParaRPr lang="en-US" dirty="0" smtClean="0"/>
+          </a:p>
+          <a:p>
+            <a:endParaRPr lang="en-US" dirty="0"/>
+          </a:p>
+          <a:p>
+            <a:pPr marL="114300" indent="0">
+              <a:buNone/>
+            </a:pPr>
+            <a:endParaRPr lang="en-US" dirty="0" smtClean="0"/>
+          </a:p>
+          <a:p>
+            <a:endParaRPr lang="en-US" dirty="0"/>
+          </a:p>
+          <a:p>
+            <a:endParaRPr lang="en-US" dirty="0" smtClean="0"/>
+          </a:p>
+          <a:p>
+            <a:endParaRPr lang="en-US" dirty="0"/>
+          </a:p>
+          <a:p>
+            <a:endParaRPr lang="ro-RO" dirty="0" smtClean="0"/>
           </a:p>
         </p:txBody>
       </p:sp>
+      <p:pic>
+        <p:nvPicPr>
+          <p:cNvPr id="4" name="Picture 3"/>
+          <p:cNvPicPr/>
+          <p:nvPr/>
+        </p:nvPicPr>
+        <p:blipFill>
+          <a:blip r:embed="rId2" cstate="print"/>
+          <a:stretch>
+            <a:fillRect/>
+          </a:stretch>
+        </p:blipFill>
+        <p:spPr>
+          <a:xfrm>
+            <a:off x="1841412" y="2011679"/>
+            <a:ext cx="5134445" cy="2429401"/>
+          </a:xfrm>
+          <a:prstGeom prst="rect">
+            <a:avLst/>
+          </a:prstGeom>
+        </p:spPr>
+      </p:pic>
     </p:spTree>
     <p:extLst>
       <p:ext uri="{BB962C8B-B14F-4D97-AF65-F5344CB8AC3E}">
@@ -8178,7 +8405,7 @@
   <p:cSld>
     <p:spTree>
       <p:nvGrpSpPr>
-        <p:cNvPr id="1" name="Shape 71"/>
+        <p:cNvPr id="1" name=""/>
         <p:cNvGrpSpPr/>
         <p:nvPr/>
       </p:nvGrpSpPr>
@@ -8192,149 +8419,95 @@
       </p:grpSpPr>
       <p:sp>
         <p:nvSpPr>
-          <p:cNvPr id="72" name="Shape 72"/>
-          <p:cNvSpPr txBox="1">
+          <p:cNvPr id="2" name="Title 1"/>
+          <p:cNvSpPr>
             <a:spLocks noGrp="1"/>
           </p:cNvSpPr>
           <p:nvPr>
             <p:ph type="title"/>
           </p:nvPr>
         </p:nvSpPr>
-        <p:spPr>
-          <a:xfrm>
-            <a:off x="311700" y="445025"/>
-            <a:ext cx="8520600" cy="572700"/>
-          </a:xfrm>
-          <a:prstGeom prst="rect">
-            <a:avLst/>
-          </a:prstGeom>
-        </p:spPr>
+        <p:spPr/>
         <p:txBody>
-          <a:bodyPr spcFirstLastPara="1" wrap="square" lIns="91425" tIns="91425" rIns="91425" bIns="91425" anchor="t" anchorCtr="0">
-            <a:noAutofit/>
-          </a:bodyPr>
+          <a:bodyPr/>
           <a:lstStyle/>
           <a:p>
-            <a:pPr marL="0" lvl="0" indent="0">
-              <a:spcBef>
-                <a:spcPts val="0"/>
-              </a:spcBef>
-              <a:spcAft>
-                <a:spcPts val="0"/>
-              </a:spcAft>
-              <a:buNone/>
-            </a:pPr>
-            <a:r>
-              <a:rPr lang="en"/>
-              <a:t>Arhitectura</a:t>
-            </a:r>
-            <a:endParaRPr/>
+            <a:endParaRPr lang="en-US"/>
           </a:p>
         </p:txBody>
       </p:sp>
       <p:sp>
         <p:nvSpPr>
-          <p:cNvPr id="73" name="Shape 73"/>
-          <p:cNvSpPr txBox="1">
+          <p:cNvPr id="3" name="Text Placeholder 2"/>
+          <p:cNvSpPr>
             <a:spLocks noGrp="1"/>
           </p:cNvSpPr>
           <p:nvPr>
             <p:ph type="body" idx="1"/>
           </p:nvPr>
         </p:nvSpPr>
-        <p:spPr>
-          <a:xfrm>
-            <a:off x="311700" y="1152475"/>
-            <a:ext cx="8520600" cy="3416400"/>
-          </a:xfrm>
-          <a:prstGeom prst="rect">
-            <a:avLst/>
-          </a:prstGeom>
-        </p:spPr>
+        <p:spPr/>
         <p:txBody>
-          <a:bodyPr spcFirstLastPara="1" wrap="square" lIns="91425" tIns="91425" rIns="91425" bIns="91425" anchor="t" anchorCtr="0">
-            <a:noAutofit/>
-          </a:bodyPr>
+          <a:bodyPr/>
           <a:lstStyle/>
           <a:p>
-            <a:pPr marL="0" lvl="0" indent="0">
-              <a:spcBef>
-                <a:spcPts val="0"/>
-              </a:spcBef>
-              <a:spcAft>
-                <a:spcPts val="1600"/>
-              </a:spcAft>
+            <a:r>
+              <a:rPr lang="ro-RO" dirty="0" smtClean="0"/>
+              <a:t>Programarea evenimentelor se face folosing BackgroundScheduler</a:t>
+            </a:r>
+            <a:r>
+              <a:rPr lang="en-US" dirty="0" smtClean="0"/>
+              <a:t>:</a:t>
+            </a:r>
+          </a:p>
+          <a:p>
+            <a:pPr lvl="1"/>
+            <a:r>
+              <a:rPr lang="en-US" dirty="0" err="1" smtClean="0"/>
+              <a:t>Construc</a:t>
+            </a:r>
+            <a:r>
+              <a:rPr lang="ro-RO" dirty="0" smtClean="0"/>
+              <a:t>ția de blocuri noi</a:t>
+            </a:r>
+          </a:p>
+          <a:p>
+            <a:pPr lvl="1"/>
+            <a:r>
+              <a:rPr lang="ro-RO" dirty="0" smtClean="0"/>
+              <a:t>Procesul de votare</a:t>
+            </a:r>
+          </a:p>
+          <a:p>
+            <a:r>
+              <a:rPr lang="ro-RO" dirty="0" smtClean="0"/>
+              <a:t>Algoritmul </a:t>
+            </a:r>
+            <a:r>
+              <a:rPr lang="ro-RO" dirty="0"/>
+              <a:t>de consens </a:t>
+            </a:r>
+          </a:p>
+          <a:p>
+            <a:r>
+              <a:rPr lang="ro-RO" dirty="0"/>
+              <a:t>Api-ul și inițializarea unui nod la pornirea server-ului</a:t>
+            </a:r>
+          </a:p>
+          <a:p>
+            <a:pPr marL="114300" indent="0">
               <a:buNone/>
             </a:pPr>
-            <a:endParaRPr dirty="0"/>
+            <a:endParaRPr lang="en-US" dirty="0"/>
           </a:p>
         </p:txBody>
       </p:sp>
-      <p:pic>
-        <p:nvPicPr>
-          <p:cNvPr id="1027" name="Picture 3"/>
-          <p:cNvPicPr>
-            <a:picLocks noChangeAspect="1" noChangeArrowheads="1"/>
-          </p:cNvPicPr>
-          <p:nvPr/>
-        </p:nvPicPr>
-        <p:blipFill>
-          <a:blip r:embed="rId3">
-            <a:extLst>
-              <a:ext uri="{28A0092B-C50C-407E-A947-70E740481C1C}">
-                <a14:useLocalDpi xmlns:a14="http://schemas.microsoft.com/office/drawing/2010/main" val="0"/>
-              </a:ext>
-            </a:extLst>
-          </a:blip>
-          <a:srcRect/>
-          <a:stretch>
-            <a:fillRect/>
-          </a:stretch>
-        </p:blipFill>
-        <p:spPr bwMode="auto">
-          <a:xfrm>
-            <a:off x="1766923" y="1353966"/>
-            <a:ext cx="5731041" cy="3047872"/>
-          </a:xfrm>
-          <a:prstGeom prst="rect">
-            <a:avLst/>
-          </a:prstGeom>
-          <a:noFill/>
-          <a:ln>
-            <a:noFill/>
-          </a:ln>
-          <a:effectLst/>
-          <a:extLst>
-            <a:ext uri="{909E8E84-426E-40DD-AFC4-6F175D3DCCD1}">
-              <a14:hiddenFill xmlns:a14="http://schemas.microsoft.com/office/drawing/2010/main">
-                <a:solidFill>
-                  <a:schemeClr val="accent1"/>
-                </a:solidFill>
-              </a14:hiddenFill>
-            </a:ext>
-            <a:ext uri="{91240B29-F687-4F45-9708-019B960494DF}">
-              <a14:hiddenLine xmlns:a14="http://schemas.microsoft.com/office/drawing/2010/main" w="9525">
-                <a:solidFill>
-                  <a:schemeClr val="tx1"/>
-                </a:solidFill>
-                <a:miter lim="800000"/>
-                <a:headEnd/>
-                <a:tailEnd/>
-              </a14:hiddenLine>
-            </a:ext>
-            <a:ext uri="{AF507438-7753-43E0-B8FC-AC1667EBCBE1}">
-              <a14:hiddenEffects xmlns:a14="http://schemas.microsoft.com/office/drawing/2010/main">
-                <a:effectLst>
-                  <a:outerShdw dist="35921" dir="2700000" algn="ctr" rotWithShape="0">
-                    <a:schemeClr val="bg2"/>
-                  </a:outerShdw>
-                </a:effectLst>
-              </a14:hiddenEffects>
-            </a:ext>
-          </a:extLst>
-        </p:spPr>
-      </p:pic>
     </p:spTree>
+    <p:extLst>
+      <p:ext uri="{BB962C8B-B14F-4D97-AF65-F5344CB8AC3E}">
+        <p14:creationId xmlns:p14="http://schemas.microsoft.com/office/powerpoint/2010/main" val="2472549867"/>
+      </p:ext>
+    </p:extLst>
   </p:cSld>
   <p:clrMapOvr>
     <a:masterClrMapping/>

--- a/Prezentare.pptx
+++ b/Prezentare.pptx
@@ -258,7 +258,7 @@
   </p:defaultTextStyle>
   <p:extLst>
     <p:ext uri="{EFAFB233-063F-42B5-8137-9DF3F51BA10A}">
-      <p15:sldGuideLst xmlns="" xmlns:mc="http://schemas.openxmlformats.org/markup-compatibility/2006" xmlns:mv="urn:schemas-microsoft-com:mac:vml" xmlns:c="http://schemas.openxmlformats.org/drawingml/2006/chart" xmlns:dgm="http://schemas.openxmlformats.org/drawingml/2006/diagram" xmlns:o="urn:schemas-microsoft-com:office:office" xmlns:v="urn:schemas-microsoft-com:vml" xmlns:pvml="urn:schemas-microsoft-com:office:powerpoint" xmlns:com="http://schemas.openxmlformats.org/drawingml/2006/compatibility" xmlns:p14="http://schemas.microsoft.com/office/powerpoint/2010/main" xmlns:p15="http://schemas.microsoft.com/office/powerpoint/2012/main">
+      <p15:sldGuideLst xmlns:p15="http://schemas.microsoft.com/office/powerpoint/2012/main" xmlns:p14="http://schemas.microsoft.com/office/powerpoint/2010/main" xmlns:com="http://schemas.openxmlformats.org/drawingml/2006/compatibility" xmlns:pvml="urn:schemas-microsoft-com:office:powerpoint" xmlns:v="urn:schemas-microsoft-com:vml" xmlns:o="urn:schemas-microsoft-com:office:office" xmlns:dgm="http://schemas.openxmlformats.org/drawingml/2006/diagram" xmlns:c="http://schemas.openxmlformats.org/drawingml/2006/chart" xmlns:mv="urn:schemas-microsoft-com:mac:vml" xmlns:mc="http://schemas.openxmlformats.org/markup-compatibility/2006" xmlns="">
         <p15:guide id="1" orient="horz" pos="1620">
           <p15:clr>
             <a:srgbClr val="A4A3A4"/>
@@ -6668,15 +6668,7 @@
             </a:pPr>
             <a:r>
               <a:rPr lang="en-US" dirty="0" smtClean="0"/>
-              <a:t>Double </a:t>
-            </a:r>
-            <a:r>
-              <a:rPr lang="en-US" dirty="0" smtClean="0"/>
-              <a:t>spending </a:t>
-            </a:r>
-            <a:r>
-              <a:rPr lang="en-US" dirty="0" smtClean="0"/>
-              <a:t>attack</a:t>
+              <a:t>Double spending attack</a:t>
             </a:r>
           </a:p>
           <a:p>
@@ -6692,7 +6684,6 @@
               <a:rPr lang="en-US" dirty="0" smtClean="0"/>
               <a:t> attack</a:t>
             </a:r>
-            <a:endParaRPr lang="en-US" dirty="0" smtClean="0"/>
           </a:p>
         </p:txBody>
       </p:sp>
@@ -8075,24 +8066,66 @@
       </p:sp>
       <p:pic>
         <p:nvPicPr>
-          <p:cNvPr id="4" name="Picture 3"/>
-          <p:cNvPicPr/>
+          <p:cNvPr id="1026" name="Picture 2"/>
+          <p:cNvPicPr>
+            <a:picLocks noChangeAspect="1" noChangeArrowheads="1"/>
+          </p:cNvPicPr>
           <p:nvPr/>
         </p:nvPicPr>
         <p:blipFill>
-          <a:blip r:embed="rId3" cstate="print"/>
+          <a:blip r:embed="rId3">
+            <a:extLst>
+              <a:ext uri="{28A0092B-C50C-407E-A947-70E740481C1C}">
+                <a14:useLocalDpi xmlns:a14="http://schemas.microsoft.com/office/drawing/2010/main" val="0"/>
+              </a:ext>
+            </a:extLst>
+          </a:blip>
+          <a:srcRect/>
           <a:stretch>
             <a:fillRect/>
           </a:stretch>
         </p:blipFill>
-        <p:spPr>
+        <p:spPr bwMode="auto">
           <a:xfrm>
-            <a:off x="2371940" y="1656919"/>
-            <a:ext cx="3685099" cy="1746297"/>
+            <a:off x="3148671" y="1537729"/>
+            <a:ext cx="1946744" cy="1967677"/>
           </a:xfrm>
           <a:prstGeom prst="rect">
             <a:avLst/>
           </a:prstGeom>
+          <a:noFill/>
+          <a:ln>
+            <a:noFill/>
+          </a:ln>
+          <a:effectLst/>
+          <a:extLst>
+            <a:ext uri="{909E8E84-426E-40DD-AFC4-6F175D3DCCD1}">
+              <a14:hiddenFill xmlns:a14="http://schemas.microsoft.com/office/drawing/2010/main">
+                <a:solidFill>
+                  <a:schemeClr val="accent1"/>
+                </a:solidFill>
+              </a14:hiddenFill>
+            </a:ext>
+            <a:ext uri="{91240B29-F687-4F45-9708-019B960494DF}">
+              <a14:hiddenLine xmlns:a14="http://schemas.microsoft.com/office/drawing/2010/main" w="9525">
+                <a:solidFill>
+                  <a:schemeClr val="tx1"/>
+                </a:solidFill>
+                <a:miter lim="800000"/>
+                <a:headEnd/>
+                <a:tailEnd/>
+              </a14:hiddenLine>
+            </a:ext>
+            <a:ext uri="{AF507438-7753-43E0-B8FC-AC1667EBCBE1}">
+              <a14:hiddenEffects xmlns:a14="http://schemas.microsoft.com/office/drawing/2010/main">
+                <a:effectLst>
+                  <a:outerShdw dist="35921" dir="2700000" algn="ctr" rotWithShape="0">
+                    <a:schemeClr val="bg2"/>
+                  </a:outerShdw>
+                </a:effectLst>
+              </a14:hiddenEffects>
+            </a:ext>
+          </a:extLst>
         </p:spPr>
       </p:pic>
     </p:spTree>

--- a/Prezentare.pptx
+++ b/Prezentare.pptx
@@ -258,7 +258,7 @@
   </p:defaultTextStyle>
   <p:extLst>
     <p:ext uri="{EFAFB233-063F-42B5-8137-9DF3F51BA10A}">
-      <p15:sldGuideLst xmlns:p15="http://schemas.microsoft.com/office/powerpoint/2012/main" xmlns:p14="http://schemas.microsoft.com/office/powerpoint/2010/main" xmlns:com="http://schemas.openxmlformats.org/drawingml/2006/compatibility" xmlns:pvml="urn:schemas-microsoft-com:office:powerpoint" xmlns:v="urn:schemas-microsoft-com:vml" xmlns:o="urn:schemas-microsoft-com:office:office" xmlns:dgm="http://schemas.openxmlformats.org/drawingml/2006/diagram" xmlns:c="http://schemas.openxmlformats.org/drawingml/2006/chart" xmlns:mv="urn:schemas-microsoft-com:mac:vml" xmlns:mc="http://schemas.openxmlformats.org/markup-compatibility/2006" xmlns="">
+      <p15:sldGuideLst xmlns="" xmlns:mc="http://schemas.openxmlformats.org/markup-compatibility/2006" xmlns:mv="urn:schemas-microsoft-com:mac:vml" xmlns:c="http://schemas.openxmlformats.org/drawingml/2006/chart" xmlns:dgm="http://schemas.openxmlformats.org/drawingml/2006/diagram" xmlns:o="urn:schemas-microsoft-com:office:office" xmlns:v="urn:schemas-microsoft-com:vml" xmlns:pvml="urn:schemas-microsoft-com:office:powerpoint" xmlns:com="http://schemas.openxmlformats.org/drawingml/2006/compatibility" xmlns:p14="http://schemas.microsoft.com/office/powerpoint/2010/main" xmlns:p15="http://schemas.microsoft.com/office/powerpoint/2012/main">
         <p15:guide id="1" orient="horz" pos="1620">
           <p15:clr>
             <a:srgbClr val="A4A3A4"/>
@@ -6987,31 +6987,21 @@
           </a:p>
           <a:p>
             <a:r>
-              <a:rPr lang="ro-RO" dirty="0"/>
-              <a:t>Doar </a:t>
-            </a:r>
-            <a:r>
-              <a:rPr lang="en-US" dirty="0"/>
-              <a:t>2-3% din </a:t>
-            </a:r>
-            <a:r>
-              <a:rPr lang="en-US" dirty="0" err="1"/>
-              <a:t>stakeholderi</a:t>
-            </a:r>
-            <a:r>
-              <a:rPr lang="en-US" dirty="0"/>
-              <a:t> s</a:t>
-            </a:r>
-            <a:r>
-              <a:rPr lang="ro-RO" dirty="0"/>
-              <a:t>ă poate vota</a:t>
-            </a:r>
-            <a:endParaRPr lang="en-US" dirty="0"/>
-          </a:p>
-          <a:p>
-            <a:pPr marL="114300" indent="0">
-              <a:buNone/>
-            </a:pPr>
+              <a:rPr lang="en-US" dirty="0" smtClean="0"/>
+              <a:t>O </a:t>
+            </a:r>
+            <a:r>
+              <a:rPr lang="en-US" dirty="0" err="1" smtClean="0"/>
+              <a:t>modalitate</a:t>
+            </a:r>
+            <a:r>
+              <a:rPr lang="en-US" dirty="0" smtClean="0"/>
+              <a:t> de a r</a:t>
+            </a:r>
+            <a:r>
+              <a:rPr lang="ro-RO" dirty="0" smtClean="0"/>
+              <a:t>ăsplăti și nodurile care construiesc genesis block-uri</a:t>
+            </a:r>
             <a:endParaRPr lang="en-US" dirty="0"/>
           </a:p>
         </p:txBody>
